--- a/ppt/이미지 압축.pptx
+++ b/ppt/이미지 압축.pptx
@@ -10,6 +10,9 @@
     <p:sldId id="261" r:id="rId4"/>
     <p:sldId id="257" r:id="rId5"/>
     <p:sldId id="258" r:id="rId6"/>
+    <p:sldId id="264" r:id="rId7"/>
+    <p:sldId id="263" r:id="rId8"/>
+    <p:sldId id="265" r:id="rId9"/>
   </p:sldIdLst>
   <p:sldSz cx="12192000" cy="6858000"/>
   <p:notesSz cx="6858000" cy="9144000"/>
@@ -108,6 +111,11 @@
       </a:defRPr>
     </a:lvl9pPr>
   </p:defaultTextStyle>
+  <p:extLst>
+    <p:ext uri="{EFAFB233-063F-42B5-8137-9DF3F51BA10A}">
+      <p15:sldGuideLst xmlns:p15="http://schemas.microsoft.com/office/powerpoint/2012/main"/>
+    </p:ext>
+  </p:extLst>
 </p:presentation>
 </file>
 
@@ -3339,7 +3347,7 @@
         </p:nvSpPr>
         <p:spPr>
           <a:xfrm>
-            <a:off x="3745831" y="2690336"/>
+            <a:off x="3724231" y="2690336"/>
             <a:ext cx="4006290" cy="1477328"/>
           </a:xfrm>
           <a:prstGeom prst="rect">
@@ -4072,6 +4080,360 @@
     <p:extLst>
       <p:ext uri="{BB962C8B-B14F-4D97-AF65-F5344CB8AC3E}">
         <p14:creationId xmlns:p14="http://schemas.microsoft.com/office/powerpoint/2010/main" val="2384797292"/>
+      </p:ext>
+    </p:extLst>
+  </p:cSld>
+  <p:clrMapOvr>
+    <a:masterClrMapping/>
+  </p:clrMapOvr>
+</p:sld>
+</file>
+
+<file path=ppt/slides/slide6.xml><?xml version="1.0" encoding="utf-8"?>
+<p:sld xmlns:a="http://schemas.openxmlformats.org/drawingml/2006/main" xmlns:r="http://schemas.openxmlformats.org/officeDocument/2006/relationships" xmlns:p="http://schemas.openxmlformats.org/presentationml/2006/main">
+  <p:cSld>
+    <p:spTree>
+      <p:nvGrpSpPr>
+        <p:cNvPr id="1" name=""/>
+        <p:cNvGrpSpPr/>
+        <p:nvPr/>
+      </p:nvGrpSpPr>
+      <p:grpSpPr>
+        <a:xfrm>
+          <a:off x="0" y="0"/>
+          <a:ext cx="0" cy="0"/>
+          <a:chOff x="0" y="0"/>
+          <a:chExt cx="0" cy="0"/>
+        </a:xfrm>
+      </p:grpSpPr>
+      <p:sp>
+        <p:nvSpPr>
+          <p:cNvPr id="2" name="직사각형 1"/>
+          <p:cNvSpPr/>
+          <p:nvPr/>
+        </p:nvSpPr>
+        <p:spPr>
+          <a:xfrm>
+            <a:off x="345600" y="194400"/>
+            <a:ext cx="11484000" cy="6429600"/>
+          </a:xfrm>
+          <a:prstGeom prst="rect">
+            <a:avLst/>
+          </a:prstGeom>
+        </p:spPr>
+        <p:style>
+          <a:lnRef idx="2">
+            <a:schemeClr val="accent1">
+              <a:shade val="50000"/>
+            </a:schemeClr>
+          </a:lnRef>
+          <a:fillRef idx="1">
+            <a:schemeClr val="accent1"/>
+          </a:fillRef>
+          <a:effectRef idx="0">
+            <a:schemeClr val="accent1"/>
+          </a:effectRef>
+          <a:fontRef idx="minor">
+            <a:schemeClr val="lt1"/>
+          </a:fontRef>
+        </p:style>
+        <p:txBody>
+          <a:bodyPr rtlCol="0" anchor="ctr"/>
+          <a:lstStyle/>
+          <a:p>
+            <a:pPr algn="ctr"/>
+            <a:r>
+              <a:rPr lang="en-US" altLang="ko-KR" sz="18000" smtClean="0"/>
+              <a:t>2</a:t>
+            </a:r>
+            <a:r>
+              <a:rPr lang="ko-KR" altLang="en-US" sz="18000" dirty="0" err="1" smtClean="0"/>
+              <a:t>회차</a:t>
+            </a:r>
+            <a:endParaRPr lang="ko-KR" altLang="en-US" sz="18000" dirty="0"/>
+          </a:p>
+        </p:txBody>
+      </p:sp>
+    </p:spTree>
+    <p:extLst>
+      <p:ext uri="{BB962C8B-B14F-4D97-AF65-F5344CB8AC3E}">
+        <p14:creationId xmlns:p14="http://schemas.microsoft.com/office/powerpoint/2010/main" val="2395316038"/>
+      </p:ext>
+    </p:extLst>
+  </p:cSld>
+  <p:clrMapOvr>
+    <a:masterClrMapping/>
+  </p:clrMapOvr>
+</p:sld>
+</file>
+
+<file path=ppt/slides/slide7.xml><?xml version="1.0" encoding="utf-8"?>
+<p:sld xmlns:a="http://schemas.openxmlformats.org/drawingml/2006/main" xmlns:r="http://schemas.openxmlformats.org/officeDocument/2006/relationships" xmlns:p="http://schemas.openxmlformats.org/presentationml/2006/main">
+  <p:cSld>
+    <p:spTree>
+      <p:nvGrpSpPr>
+        <p:cNvPr id="1" name=""/>
+        <p:cNvGrpSpPr/>
+        <p:nvPr/>
+      </p:nvGrpSpPr>
+      <p:grpSpPr>
+        <a:xfrm>
+          <a:off x="0" y="0"/>
+          <a:ext cx="0" cy="0"/>
+          <a:chOff x="0" y="0"/>
+          <a:chExt cx="0" cy="0"/>
+        </a:xfrm>
+      </p:grpSpPr>
+      <p:sp>
+        <p:nvSpPr>
+          <p:cNvPr id="7" name="TextBox 6">
+            <a:extLst>
+              <a:ext uri="{FF2B5EF4-FFF2-40B4-BE49-F238E27FC236}">
+                <a16:creationId xmlns:a16="http://schemas.microsoft.com/office/drawing/2014/main" id="{CDE94CF9-367F-0A14-3A49-CFE08A929738}"/>
+              </a:ext>
+            </a:extLst>
+          </p:cNvPr>
+          <p:cNvSpPr txBox="1"/>
+          <p:nvPr/>
+        </p:nvSpPr>
+        <p:spPr>
+          <a:xfrm>
+            <a:off x="804498" y="529517"/>
+            <a:ext cx="1460656" cy="369332"/>
+          </a:xfrm>
+          <a:prstGeom prst="rect">
+            <a:avLst/>
+          </a:prstGeom>
+          <a:noFill/>
+        </p:spPr>
+        <p:txBody>
+          <a:bodyPr wrap="none" rtlCol="0">
+            <a:spAutoFit/>
+          </a:bodyPr>
+          <a:lstStyle/>
+          <a:p>
+            <a:r>
+              <a:rPr lang="en-US" altLang="ko-KR" dirty="0" smtClean="0"/>
+              <a:t>map/sgd/00</a:t>
+            </a:r>
+            <a:endParaRPr lang="ko-KR" altLang="en-US" dirty="0"/>
+          </a:p>
+        </p:txBody>
+      </p:sp>
+      <p:pic>
+        <p:nvPicPr>
+          <p:cNvPr id="2" name="그림 1"/>
+          <p:cNvPicPr>
+            <a:picLocks noChangeAspect="1"/>
+          </p:cNvPicPr>
+          <p:nvPr/>
+        </p:nvPicPr>
+        <p:blipFill>
+          <a:blip r:embed="rId2"/>
+          <a:stretch>
+            <a:fillRect/>
+          </a:stretch>
+        </p:blipFill>
+        <p:spPr>
+          <a:xfrm>
+            <a:off x="761307" y="1284046"/>
+            <a:ext cx="5096586" cy="2029108"/>
+          </a:xfrm>
+          <a:prstGeom prst="rect">
+            <a:avLst/>
+          </a:prstGeom>
+        </p:spPr>
+      </p:pic>
+      <p:pic>
+        <p:nvPicPr>
+          <p:cNvPr id="4" name="그림 3"/>
+          <p:cNvPicPr>
+            <a:picLocks noChangeAspect="1"/>
+          </p:cNvPicPr>
+          <p:nvPr/>
+        </p:nvPicPr>
+        <p:blipFill>
+          <a:blip r:embed="rId3"/>
+          <a:stretch>
+            <a:fillRect/>
+          </a:stretch>
+        </p:blipFill>
+        <p:spPr>
+          <a:xfrm>
+            <a:off x="769927" y="3694201"/>
+            <a:ext cx="5076474" cy="2693370"/>
+          </a:xfrm>
+          <a:prstGeom prst="rect">
+            <a:avLst/>
+          </a:prstGeom>
+        </p:spPr>
+      </p:pic>
+      <p:pic>
+        <p:nvPicPr>
+          <p:cNvPr id="6" name="그림 5"/>
+          <p:cNvPicPr>
+            <a:picLocks noChangeAspect="1"/>
+          </p:cNvPicPr>
+          <p:nvPr/>
+        </p:nvPicPr>
+        <p:blipFill>
+          <a:blip r:embed="rId4"/>
+          <a:stretch>
+            <a:fillRect/>
+          </a:stretch>
+        </p:blipFill>
+        <p:spPr>
+          <a:xfrm>
+            <a:off x="6359586" y="1242730"/>
+            <a:ext cx="4858428" cy="1895740"/>
+          </a:xfrm>
+          <a:prstGeom prst="rect">
+            <a:avLst/>
+          </a:prstGeom>
+        </p:spPr>
+      </p:pic>
+      <p:pic>
+        <p:nvPicPr>
+          <p:cNvPr id="8" name="그림 7"/>
+          <p:cNvPicPr>
+            <a:picLocks noChangeAspect="1"/>
+          </p:cNvPicPr>
+          <p:nvPr/>
+        </p:nvPicPr>
+        <p:blipFill>
+          <a:blip r:embed="rId5"/>
+          <a:stretch>
+            <a:fillRect/>
+          </a:stretch>
+        </p:blipFill>
+        <p:spPr>
+          <a:xfrm>
+            <a:off x="6307200" y="3747760"/>
+            <a:ext cx="5040658" cy="2375179"/>
+          </a:xfrm>
+          <a:prstGeom prst="rect">
+            <a:avLst/>
+          </a:prstGeom>
+        </p:spPr>
+      </p:pic>
+    </p:spTree>
+    <p:extLst>
+      <p:ext uri="{BB962C8B-B14F-4D97-AF65-F5344CB8AC3E}">
+        <p14:creationId xmlns:p14="http://schemas.microsoft.com/office/powerpoint/2010/main" val="290916989"/>
+      </p:ext>
+    </p:extLst>
+  </p:cSld>
+  <p:clrMapOvr>
+    <a:masterClrMapping/>
+  </p:clrMapOvr>
+</p:sld>
+</file>
+
+<file path=ppt/slides/slide8.xml><?xml version="1.0" encoding="utf-8"?>
+<p:sld xmlns:a="http://schemas.openxmlformats.org/drawingml/2006/main" xmlns:r="http://schemas.openxmlformats.org/officeDocument/2006/relationships" xmlns:p="http://schemas.openxmlformats.org/presentationml/2006/main">
+  <p:cSld>
+    <p:spTree>
+      <p:nvGrpSpPr>
+        <p:cNvPr id="1" name=""/>
+        <p:cNvGrpSpPr/>
+        <p:nvPr/>
+      </p:nvGrpSpPr>
+      <p:grpSpPr>
+        <a:xfrm>
+          <a:off x="0" y="0"/>
+          <a:ext cx="0" cy="0"/>
+          <a:chOff x="0" y="0"/>
+          <a:chExt cx="0" cy="0"/>
+        </a:xfrm>
+      </p:grpSpPr>
+      <p:sp>
+        <p:nvSpPr>
+          <p:cNvPr id="7" name="TextBox 6">
+            <a:extLst>
+              <a:ext uri="{FF2B5EF4-FFF2-40B4-BE49-F238E27FC236}">
+                <a16:creationId xmlns:a16="http://schemas.microsoft.com/office/drawing/2014/main" id="{CDE94CF9-367F-0A14-3A49-CFE08A929738}"/>
+              </a:ext>
+            </a:extLst>
+          </p:cNvPr>
+          <p:cNvSpPr txBox="1"/>
+          <p:nvPr/>
+        </p:nvSpPr>
+        <p:spPr>
+          <a:xfrm>
+            <a:off x="804498" y="529517"/>
+            <a:ext cx="1460656" cy="369332"/>
+          </a:xfrm>
+          <a:prstGeom prst="rect">
+            <a:avLst/>
+          </a:prstGeom>
+          <a:noFill/>
+        </p:spPr>
+        <p:txBody>
+          <a:bodyPr wrap="none" rtlCol="0">
+            <a:spAutoFit/>
+          </a:bodyPr>
+          <a:lstStyle/>
+          <a:p>
+            <a:r>
+              <a:rPr lang="en-US" altLang="ko-KR" dirty="0" smtClean="0"/>
+              <a:t>map/sgd/03</a:t>
+            </a:r>
+            <a:endParaRPr lang="ko-KR" altLang="en-US" dirty="0"/>
+          </a:p>
+        </p:txBody>
+      </p:sp>
+      <p:pic>
+        <p:nvPicPr>
+          <p:cNvPr id="3" name="그림 2"/>
+          <p:cNvPicPr>
+            <a:picLocks noChangeAspect="1"/>
+          </p:cNvPicPr>
+          <p:nvPr/>
+        </p:nvPicPr>
+        <p:blipFill>
+          <a:blip r:embed="rId2"/>
+          <a:stretch>
+            <a:fillRect/>
+          </a:stretch>
+        </p:blipFill>
+        <p:spPr>
+          <a:xfrm>
+            <a:off x="842391" y="1271652"/>
+            <a:ext cx="4963218" cy="685896"/>
+          </a:xfrm>
+          <a:prstGeom prst="rect">
+            <a:avLst/>
+          </a:prstGeom>
+        </p:spPr>
+      </p:pic>
+      <p:pic>
+        <p:nvPicPr>
+          <p:cNvPr id="5" name="그림 4"/>
+          <p:cNvPicPr>
+            <a:picLocks noChangeAspect="1"/>
+          </p:cNvPicPr>
+          <p:nvPr/>
+        </p:nvPicPr>
+        <p:blipFill>
+          <a:blip r:embed="rId3"/>
+          <a:stretch>
+            <a:fillRect/>
+          </a:stretch>
+        </p:blipFill>
+        <p:spPr>
+          <a:xfrm>
+            <a:off x="781669" y="2845347"/>
+            <a:ext cx="5511132" cy="853430"/>
+          </a:xfrm>
+          <a:prstGeom prst="rect">
+            <a:avLst/>
+          </a:prstGeom>
+        </p:spPr>
+      </p:pic>
+    </p:spTree>
+    <p:extLst>
+      <p:ext uri="{BB962C8B-B14F-4D97-AF65-F5344CB8AC3E}">
+        <p14:creationId xmlns:p14="http://schemas.microsoft.com/office/powerpoint/2010/main" val="2698136999"/>
       </p:ext>
     </p:extLst>
   </p:cSld>
